--- a/Smart restroom.pptx
+++ b/Smart restroom.pptx
@@ -18,6 +18,17 @@
     <p:sldId id="266" r:id="rId12"/>
     <p:sldId id="267" r:id="rId13"/>
     <p:sldId id="268" r:id="rId14"/>
+    <p:sldId id="271" r:id="rId15"/>
+    <p:sldId id="272" r:id="rId16"/>
+    <p:sldId id="273" r:id="rId17"/>
+    <p:sldId id="274" r:id="rId18"/>
+    <p:sldId id="275" r:id="rId19"/>
+    <p:sldId id="276" r:id="rId20"/>
+    <p:sldId id="277" r:id="rId21"/>
+    <p:sldId id="278" r:id="rId22"/>
+    <p:sldId id="279" r:id="rId23"/>
+    <p:sldId id="280" r:id="rId24"/>
+    <p:sldId id="281" r:id="rId25"/>
   </p:sldIdLst>
   <p:sldSz cx="12192000" cy="6858000"/>
   <p:notesSz cx="6858000" cy="9144000"/>
@@ -116,6 +127,11 @@
       </a:defRPr>
     </a:lvl9pPr>
   </p:defaultTextStyle>
+  <p:extLst>
+    <p:ext uri="{EFAFB233-063F-42B5-8137-9DF3F51BA10A}">
+      <p15:sldGuideLst xmlns:p15="http://schemas.microsoft.com/office/powerpoint/2012/main"/>
+    </p:ext>
+  </p:extLst>
 </p:presentation>
 </file>
 
@@ -5744,7 +5760,7 @@
           <a:p>
             <a:fld id="{041B8D49-CD59-447A-985F-C47675272BF4}" type="datetimeFigureOut">
               <a:rPr lang="en-IN" smtClean="0"/>
-              <a:t>04-10-2023</a:t>
+              <a:t>09-11-2023</a:t>
             </a:fld>
             <a:endParaRPr lang="en-IN"/>
           </a:p>
@@ -5944,7 +5960,7 @@
           <a:p>
             <a:fld id="{041B8D49-CD59-447A-985F-C47675272BF4}" type="datetimeFigureOut">
               <a:rPr lang="en-IN" smtClean="0"/>
-              <a:t>04-10-2023</a:t>
+              <a:t>09-11-2023</a:t>
             </a:fld>
             <a:endParaRPr lang="en-IN"/>
           </a:p>
@@ -6154,7 +6170,7 @@
           <a:p>
             <a:fld id="{041B8D49-CD59-447A-985F-C47675272BF4}" type="datetimeFigureOut">
               <a:rPr lang="en-IN" smtClean="0"/>
-              <a:t>04-10-2023</a:t>
+              <a:t>09-11-2023</a:t>
             </a:fld>
             <a:endParaRPr lang="en-IN"/>
           </a:p>
@@ -6354,7 +6370,7 @@
           <a:p>
             <a:fld id="{041B8D49-CD59-447A-985F-C47675272BF4}" type="datetimeFigureOut">
               <a:rPr lang="en-IN" smtClean="0"/>
-              <a:t>04-10-2023</a:t>
+              <a:t>09-11-2023</a:t>
             </a:fld>
             <a:endParaRPr lang="en-IN"/>
           </a:p>
@@ -6630,7 +6646,7 @@
           <a:p>
             <a:fld id="{041B8D49-CD59-447A-985F-C47675272BF4}" type="datetimeFigureOut">
               <a:rPr lang="en-IN" smtClean="0"/>
-              <a:t>04-10-2023</a:t>
+              <a:t>09-11-2023</a:t>
             </a:fld>
             <a:endParaRPr lang="en-IN"/>
           </a:p>
@@ -6898,7 +6914,7 @@
           <a:p>
             <a:fld id="{041B8D49-CD59-447A-985F-C47675272BF4}" type="datetimeFigureOut">
               <a:rPr lang="en-IN" smtClean="0"/>
-              <a:t>04-10-2023</a:t>
+              <a:t>09-11-2023</a:t>
             </a:fld>
             <a:endParaRPr lang="en-IN"/>
           </a:p>
@@ -7313,7 +7329,7 @@
           <a:p>
             <a:fld id="{041B8D49-CD59-447A-985F-C47675272BF4}" type="datetimeFigureOut">
               <a:rPr lang="en-IN" smtClean="0"/>
-              <a:t>04-10-2023</a:t>
+              <a:t>09-11-2023</a:t>
             </a:fld>
             <a:endParaRPr lang="en-IN"/>
           </a:p>
@@ -7455,7 +7471,7 @@
           <a:p>
             <a:fld id="{041B8D49-CD59-447A-985F-C47675272BF4}" type="datetimeFigureOut">
               <a:rPr lang="en-IN" smtClean="0"/>
-              <a:t>04-10-2023</a:t>
+              <a:t>09-11-2023</a:t>
             </a:fld>
             <a:endParaRPr lang="en-IN"/>
           </a:p>
@@ -7568,7 +7584,7 @@
           <a:p>
             <a:fld id="{041B8D49-CD59-447A-985F-C47675272BF4}" type="datetimeFigureOut">
               <a:rPr lang="en-IN" smtClean="0"/>
-              <a:t>04-10-2023</a:t>
+              <a:t>09-11-2023</a:t>
             </a:fld>
             <a:endParaRPr lang="en-IN"/>
           </a:p>
@@ -7881,7 +7897,7 @@
           <a:p>
             <a:fld id="{041B8D49-CD59-447A-985F-C47675272BF4}" type="datetimeFigureOut">
               <a:rPr lang="en-IN" smtClean="0"/>
-              <a:t>04-10-2023</a:t>
+              <a:t>09-11-2023</a:t>
             </a:fld>
             <a:endParaRPr lang="en-IN"/>
           </a:p>
@@ -8170,7 +8186,7 @@
           <a:p>
             <a:fld id="{041B8D49-CD59-447A-985F-C47675272BF4}" type="datetimeFigureOut">
               <a:rPr lang="en-IN" smtClean="0"/>
-              <a:t>04-10-2023</a:t>
+              <a:t>09-11-2023</a:t>
             </a:fld>
             <a:endParaRPr lang="en-IN"/>
           </a:p>
@@ -8413,7 +8429,7 @@
           <a:p>
             <a:fld id="{041B8D49-CD59-447A-985F-C47675272BF4}" type="datetimeFigureOut">
               <a:rPr lang="en-IN" smtClean="0"/>
-              <a:t>04-10-2023</a:t>
+              <a:t>09-11-2023</a:t>
             </a:fld>
             <a:endParaRPr lang="en-IN"/>
           </a:p>
@@ -9469,6 +9485,886 @@
 </p:sld>
 </file>
 
+<file path=ppt/slides/slide14.xml><?xml version="1.0" encoding="utf-8"?>
+<p:sld xmlns:a="http://schemas.openxmlformats.org/drawingml/2006/main" xmlns:r="http://schemas.openxmlformats.org/officeDocument/2006/relationships" xmlns:p="http://schemas.openxmlformats.org/presentationml/2006/main">
+  <p:cSld>
+    <p:spTree>
+      <p:nvGrpSpPr>
+        <p:cNvPr id="1" name=""/>
+        <p:cNvGrpSpPr/>
+        <p:nvPr/>
+      </p:nvGrpSpPr>
+      <p:grpSpPr>
+        <a:xfrm>
+          <a:off x="0" y="0"/>
+          <a:ext cx="0" cy="0"/>
+          <a:chOff x="0" y="0"/>
+          <a:chExt cx="0" cy="0"/>
+        </a:xfrm>
+      </p:grpSpPr>
+      <p:sp>
+        <p:nvSpPr>
+          <p:cNvPr id="2" name="Rectangle 1">
+            <a:extLst>
+              <a:ext uri="{FF2B5EF4-FFF2-40B4-BE49-F238E27FC236}">
+                <a16:creationId xmlns:a16="http://schemas.microsoft.com/office/drawing/2014/main" id="{8647D505-8230-40B1-85E4-063BCC0C7190}"/>
+              </a:ext>
+            </a:extLst>
+          </p:cNvPr>
+          <p:cNvSpPr/>
+          <p:nvPr/>
+        </p:nvSpPr>
+        <p:spPr>
+          <a:xfrm>
+            <a:off x="3463864" y="0"/>
+            <a:ext cx="5794984" cy="646331"/>
+          </a:xfrm>
+          <a:prstGeom prst="rect">
+            <a:avLst/>
+          </a:prstGeom>
+        </p:spPr>
+        <p:txBody>
+          <a:bodyPr wrap="none">
+            <a:spAutoFit/>
+          </a:bodyPr>
+          <a:lstStyle/>
+          <a:p>
+            <a:r>
+              <a:rPr lang="en-IN" dirty="0">
+                <a:latin typeface="Arial Black" panose="020B0A04020102020204" pitchFamily="34" charset="0"/>
+              </a:rPr>
+              <a:t>INNOVATION OF SMART PUBLIC RESTROOM</a:t>
+            </a:r>
+          </a:p>
+          <a:p>
+            <a:endParaRPr lang="en-IN" dirty="0">
+              <a:latin typeface="Arial Black" panose="020B0A04020102020204" pitchFamily="34" charset="0"/>
+            </a:endParaRPr>
+          </a:p>
+        </p:txBody>
+      </p:sp>
+      <p:sp>
+        <p:nvSpPr>
+          <p:cNvPr id="3" name="Rectangle 2">
+            <a:extLst>
+              <a:ext uri="{FF2B5EF4-FFF2-40B4-BE49-F238E27FC236}">
+                <a16:creationId xmlns:a16="http://schemas.microsoft.com/office/drawing/2014/main" id="{F7A557C6-C5C8-4726-9932-BAB86BF02683}"/>
+              </a:ext>
+            </a:extLst>
+          </p:cNvPr>
+          <p:cNvSpPr/>
+          <p:nvPr/>
+        </p:nvSpPr>
+        <p:spPr>
+          <a:xfrm>
+            <a:off x="0" y="911951"/>
+            <a:ext cx="3017236" cy="369332"/>
+          </a:xfrm>
+          <a:prstGeom prst="rect">
+            <a:avLst/>
+          </a:prstGeom>
+        </p:spPr>
+        <p:txBody>
+          <a:bodyPr wrap="none">
+            <a:spAutoFit/>
+          </a:bodyPr>
+          <a:lstStyle/>
+          <a:p>
+            <a:r>
+              <a:rPr lang="en-IN" dirty="0">
+                <a:latin typeface="Arial Rounded MT Bold" panose="020F0704030504030204" pitchFamily="34" charset="0"/>
+              </a:rPr>
+              <a:t>DUAC Smart Public Toilet</a:t>
+            </a:r>
+          </a:p>
+        </p:txBody>
+      </p:sp>
+      <p:sp>
+        <p:nvSpPr>
+          <p:cNvPr id="4" name="Rectangle 3">
+            <a:extLst>
+              <a:ext uri="{FF2B5EF4-FFF2-40B4-BE49-F238E27FC236}">
+                <a16:creationId xmlns:a16="http://schemas.microsoft.com/office/drawing/2014/main" id="{DE909548-3027-448B-9D1B-A0F10370DB27}"/>
+              </a:ext>
+            </a:extLst>
+          </p:cNvPr>
+          <p:cNvSpPr/>
+          <p:nvPr/>
+        </p:nvSpPr>
+        <p:spPr>
+          <a:xfrm>
+            <a:off x="1" y="1281283"/>
+            <a:ext cx="12192000" cy="3139321"/>
+          </a:xfrm>
+          <a:prstGeom prst="rect">
+            <a:avLst/>
+          </a:prstGeom>
+        </p:spPr>
+        <p:txBody>
+          <a:bodyPr wrap="square">
+            <a:spAutoFit/>
+          </a:bodyPr>
+          <a:lstStyle/>
+          <a:p>
+            <a:r>
+              <a:rPr lang="en-IN" dirty="0"/>
+              <a:t>In India it is estimated that on an average about 60% of the population have no toilets in their homes.  The number is still higher in rural areas at about 72%. The condition of the limited number of existing public toilets being pathetic people prefer to defecate in the open thereby   compromising themselves to dreadful diseases like cholera, typhoid, hepatitis, jaundice etc. It is estimated that there are above 25 lakh women in Delhi who go for their necessary functions before dawn every morning in the open fields putting their lives to risk in view of the high level of crimes against women. The Commission has always believed that adequate civic amenities help in enhancing the aesthetics of a city. In view of the unsatisfactory situation relating to public toilets in the city of Delhi, the Commission felt that it is high time that an initiative was taken for developing high tech self sustaining public toilets which could be put up in slums, unauthorised colonies, market places and in other places like gardens and parks where foot fall is high. After receiving approval from the Government in the year 2012 on a proposal mooted by it ,the Commission on the basis of a design competition developed a prototype for a low cost self sustaining High-Tech Public Toilets which has been installed at various locations around New Delhi </a:t>
+            </a:r>
+          </a:p>
+        </p:txBody>
+      </p:sp>
+    </p:spTree>
+    <p:extLst>
+      <p:ext uri="{BB962C8B-B14F-4D97-AF65-F5344CB8AC3E}">
+        <p14:creationId xmlns:p14="http://schemas.microsoft.com/office/powerpoint/2010/main" val="3925635922"/>
+      </p:ext>
+    </p:extLst>
+  </p:cSld>
+  <p:clrMapOvr>
+    <a:masterClrMapping/>
+  </p:clrMapOvr>
+</p:sld>
+</file>
+
+<file path=ppt/slides/slide15.xml><?xml version="1.0" encoding="utf-8"?>
+<p:sld xmlns:a="http://schemas.openxmlformats.org/drawingml/2006/main" xmlns:r="http://schemas.openxmlformats.org/officeDocument/2006/relationships" xmlns:p="http://schemas.openxmlformats.org/presentationml/2006/main">
+  <p:cSld>
+    <p:spTree>
+      <p:nvGrpSpPr>
+        <p:cNvPr id="1" name=""/>
+        <p:cNvGrpSpPr/>
+        <p:nvPr/>
+      </p:nvGrpSpPr>
+      <p:grpSpPr>
+        <a:xfrm>
+          <a:off x="0" y="0"/>
+          <a:ext cx="0" cy="0"/>
+          <a:chOff x="0" y="0"/>
+          <a:chExt cx="0" cy="0"/>
+        </a:xfrm>
+      </p:grpSpPr>
+      <p:sp>
+        <p:nvSpPr>
+          <p:cNvPr id="2" name="Rectangle 1">
+            <a:extLst>
+              <a:ext uri="{FF2B5EF4-FFF2-40B4-BE49-F238E27FC236}">
+                <a16:creationId xmlns:a16="http://schemas.microsoft.com/office/drawing/2014/main" id="{0E5BBF40-C092-4D1A-AA19-59440EB4F21C}"/>
+              </a:ext>
+            </a:extLst>
+          </p:cNvPr>
+          <p:cNvSpPr/>
+          <p:nvPr/>
+        </p:nvSpPr>
+        <p:spPr>
+          <a:xfrm>
+            <a:off x="51643" y="693290"/>
+            <a:ext cx="1379095" cy="369332"/>
+          </a:xfrm>
+          <a:prstGeom prst="rect">
+            <a:avLst/>
+          </a:prstGeom>
+        </p:spPr>
+        <p:txBody>
+          <a:bodyPr wrap="none">
+            <a:spAutoFit/>
+          </a:bodyPr>
+          <a:lstStyle/>
+          <a:p>
+            <a:r>
+              <a:rPr lang="en-IN" dirty="0">
+                <a:latin typeface="Arial Rounded MT Bold" panose="020F0704030504030204" pitchFamily="34" charset="0"/>
+              </a:rPr>
+              <a:t>Objectives</a:t>
+            </a:r>
+          </a:p>
+        </p:txBody>
+      </p:sp>
+      <p:sp>
+        <p:nvSpPr>
+          <p:cNvPr id="3" name="Rectangle 2">
+            <a:extLst>
+              <a:ext uri="{FF2B5EF4-FFF2-40B4-BE49-F238E27FC236}">
+                <a16:creationId xmlns:a16="http://schemas.microsoft.com/office/drawing/2014/main" id="{BA10D6EE-7D16-464D-B10E-29DD14334293}"/>
+              </a:ext>
+            </a:extLst>
+          </p:cNvPr>
+          <p:cNvSpPr/>
+          <p:nvPr/>
+        </p:nvSpPr>
+        <p:spPr>
+          <a:xfrm>
+            <a:off x="1060174" y="1065935"/>
+            <a:ext cx="6096000" cy="2308324"/>
+          </a:xfrm>
+          <a:prstGeom prst="rect">
+            <a:avLst/>
+          </a:prstGeom>
+        </p:spPr>
+        <p:txBody>
+          <a:bodyPr>
+            <a:spAutoFit/>
+          </a:bodyPr>
+          <a:lstStyle/>
+          <a:p>
+            <a:r>
+              <a:rPr lang="en-IN" dirty="0"/>
+              <a:t>• Distinctive &amp; aesthetically pleasing designs. </a:t>
+            </a:r>
+          </a:p>
+          <a:p>
+            <a:r>
+              <a:rPr lang="en-IN" dirty="0"/>
+              <a:t>• Smart, contemporary and environment friendly features. Industrially prefabricated designs for mass production. </a:t>
+            </a:r>
+          </a:p>
+          <a:p>
+            <a:r>
+              <a:rPr lang="en-IN" dirty="0"/>
+              <a:t>• Long life tenure of approximately 15-20 years. </a:t>
+            </a:r>
+          </a:p>
+          <a:p>
+            <a:r>
+              <a:rPr lang="en-IN" dirty="0"/>
+              <a:t>• Tentative cost INR 1.50 lakh per seat. </a:t>
+            </a:r>
+          </a:p>
+          <a:p>
+            <a:r>
+              <a:rPr lang="en-IN" dirty="0"/>
+              <a:t>• Hassle free transportation to predesignated sites for quick installation.</a:t>
+            </a:r>
+          </a:p>
+          <a:p>
+            <a:r>
+              <a:rPr lang="en-IN" dirty="0"/>
+              <a:t>• Adequate space for advertisement and revenue Generation.</a:t>
+            </a:r>
+          </a:p>
+        </p:txBody>
+      </p:sp>
+    </p:spTree>
+    <p:extLst>
+      <p:ext uri="{BB962C8B-B14F-4D97-AF65-F5344CB8AC3E}">
+        <p14:creationId xmlns:p14="http://schemas.microsoft.com/office/powerpoint/2010/main" val="22995298"/>
+      </p:ext>
+    </p:extLst>
+  </p:cSld>
+  <p:clrMapOvr>
+    <a:masterClrMapping/>
+  </p:clrMapOvr>
+</p:sld>
+</file>
+
+<file path=ppt/slides/slide16.xml><?xml version="1.0" encoding="utf-8"?>
+<p:sld xmlns:a="http://schemas.openxmlformats.org/drawingml/2006/main" xmlns:r="http://schemas.openxmlformats.org/officeDocument/2006/relationships" xmlns:p="http://schemas.openxmlformats.org/presentationml/2006/main">
+  <p:cSld>
+    <p:spTree>
+      <p:nvGrpSpPr>
+        <p:cNvPr id="1" name=""/>
+        <p:cNvGrpSpPr/>
+        <p:nvPr/>
+      </p:nvGrpSpPr>
+      <p:grpSpPr>
+        <a:xfrm>
+          <a:off x="0" y="0"/>
+          <a:ext cx="0" cy="0"/>
+          <a:chOff x="0" y="0"/>
+          <a:chExt cx="0" cy="0"/>
+        </a:xfrm>
+      </p:grpSpPr>
+      <p:sp>
+        <p:nvSpPr>
+          <p:cNvPr id="2" name="Rectangle 1">
+            <a:extLst>
+              <a:ext uri="{FF2B5EF4-FFF2-40B4-BE49-F238E27FC236}">
+                <a16:creationId xmlns:a16="http://schemas.microsoft.com/office/drawing/2014/main" id="{1E2B9F0D-45A8-44A6-9D62-13C82F9C3A3B}"/>
+              </a:ext>
+            </a:extLst>
+          </p:cNvPr>
+          <p:cNvSpPr/>
+          <p:nvPr/>
+        </p:nvSpPr>
+        <p:spPr>
+          <a:xfrm>
+            <a:off x="0" y="521661"/>
+            <a:ext cx="6096000" cy="646331"/>
+          </a:xfrm>
+          <a:prstGeom prst="rect">
+            <a:avLst/>
+          </a:prstGeom>
+        </p:spPr>
+        <p:txBody>
+          <a:bodyPr>
+            <a:spAutoFit/>
+          </a:bodyPr>
+          <a:lstStyle/>
+          <a:p>
+            <a:r>
+              <a:rPr lang="en-IN" dirty="0">
+                <a:latin typeface="Arial Rounded MT Bold" panose="020F0704030504030204" pitchFamily="34" charset="0"/>
+              </a:rPr>
+              <a:t>DESIGN 1 (Size of one unit  - 1.40m X 1.40m)    (Internal height - 2.20m) </a:t>
+            </a:r>
+          </a:p>
+        </p:txBody>
+      </p:sp>
+      <p:pic>
+        <p:nvPicPr>
+          <p:cNvPr id="3" name="Picture 2">
+            <a:extLst>
+              <a:ext uri="{FF2B5EF4-FFF2-40B4-BE49-F238E27FC236}">
+                <a16:creationId xmlns:a16="http://schemas.microsoft.com/office/drawing/2014/main" id="{F731260C-1B50-4073-8B55-340D9B0AB2B5}"/>
+              </a:ext>
+            </a:extLst>
+          </p:cNvPr>
+          <p:cNvPicPr>
+            <a:picLocks noChangeAspect="1"/>
+          </p:cNvPicPr>
+          <p:nvPr/>
+        </p:nvPicPr>
+        <p:blipFill>
+          <a:blip r:embed="rId2">
+            <a:extLst>
+              <a:ext uri="{28A0092B-C50C-407E-A947-70E740481C1C}">
+                <a14:useLocalDpi xmlns:a14="http://schemas.microsoft.com/office/drawing/2010/main" val="0"/>
+              </a:ext>
+            </a:extLst>
+          </a:blip>
+          <a:stretch>
+            <a:fillRect/>
+          </a:stretch>
+        </p:blipFill>
+        <p:spPr>
+          <a:xfrm>
+            <a:off x="1308661" y="1294213"/>
+            <a:ext cx="5811061" cy="5144218"/>
+          </a:xfrm>
+          <a:prstGeom prst="rect">
+            <a:avLst/>
+          </a:prstGeom>
+        </p:spPr>
+      </p:pic>
+      <p:sp>
+        <p:nvSpPr>
+          <p:cNvPr id="4" name="Rectangle 3">
+            <a:extLst>
+              <a:ext uri="{FF2B5EF4-FFF2-40B4-BE49-F238E27FC236}">
+                <a16:creationId xmlns:a16="http://schemas.microsoft.com/office/drawing/2014/main" id="{BEDDE161-3A26-4912-8A5C-56170DEB9A70}"/>
+              </a:ext>
+            </a:extLst>
+          </p:cNvPr>
+          <p:cNvSpPr/>
+          <p:nvPr/>
+        </p:nvSpPr>
+        <p:spPr>
+          <a:xfrm>
+            <a:off x="7288696" y="1675898"/>
+            <a:ext cx="4903304" cy="1754326"/>
+          </a:xfrm>
+          <a:prstGeom prst="rect">
+            <a:avLst/>
+          </a:prstGeom>
+        </p:spPr>
+        <p:txBody>
+          <a:bodyPr wrap="square">
+            <a:spAutoFit/>
+          </a:bodyPr>
+          <a:lstStyle/>
+          <a:p>
+            <a:r>
+              <a:rPr lang="en-IN" dirty="0"/>
+              <a:t>Inspired by the vernacular architecture using “Bamboo” as the primary theme. </a:t>
+            </a:r>
+          </a:p>
+          <a:p>
+            <a:r>
+              <a:rPr lang="en-IN" dirty="0"/>
+              <a:t>Specification : </a:t>
+            </a:r>
+          </a:p>
+          <a:p>
+            <a:r>
+              <a:rPr lang="en-IN" dirty="0"/>
+              <a:t>•  Exteriors: Fibre reinforced plastic (FRP) </a:t>
+            </a:r>
+          </a:p>
+          <a:p>
+            <a:r>
+              <a:rPr lang="en-IN" dirty="0"/>
+              <a:t>•Interiors: Stainless steel 304 grade , 1mm thick </a:t>
+            </a:r>
+          </a:p>
+          <a:p>
+            <a:r>
+              <a:rPr lang="en-IN" dirty="0"/>
+              <a:t>•Frame: Mild steel (MS)</a:t>
+            </a:r>
+          </a:p>
+        </p:txBody>
+      </p:sp>
+    </p:spTree>
+    <p:extLst>
+      <p:ext uri="{BB962C8B-B14F-4D97-AF65-F5344CB8AC3E}">
+        <p14:creationId xmlns:p14="http://schemas.microsoft.com/office/powerpoint/2010/main" val="3208652999"/>
+      </p:ext>
+    </p:extLst>
+  </p:cSld>
+  <p:clrMapOvr>
+    <a:masterClrMapping/>
+  </p:clrMapOvr>
+</p:sld>
+</file>
+
+<file path=ppt/slides/slide17.xml><?xml version="1.0" encoding="utf-8"?>
+<p:sld xmlns:a="http://schemas.openxmlformats.org/drawingml/2006/main" xmlns:r="http://schemas.openxmlformats.org/officeDocument/2006/relationships" xmlns:p="http://schemas.openxmlformats.org/presentationml/2006/main">
+  <p:cSld>
+    <p:spTree>
+      <p:nvGrpSpPr>
+        <p:cNvPr id="1" name=""/>
+        <p:cNvGrpSpPr/>
+        <p:nvPr/>
+      </p:nvGrpSpPr>
+      <p:grpSpPr>
+        <a:xfrm>
+          <a:off x="0" y="0"/>
+          <a:ext cx="0" cy="0"/>
+          <a:chOff x="0" y="0"/>
+          <a:chExt cx="0" cy="0"/>
+        </a:xfrm>
+      </p:grpSpPr>
+      <p:sp>
+        <p:nvSpPr>
+          <p:cNvPr id="2" name="Rectangle 1">
+            <a:extLst>
+              <a:ext uri="{FF2B5EF4-FFF2-40B4-BE49-F238E27FC236}">
+                <a16:creationId xmlns:a16="http://schemas.microsoft.com/office/drawing/2014/main" id="{CFFDD613-A5FD-4FB8-8293-C26F38913302}"/>
+              </a:ext>
+            </a:extLst>
+          </p:cNvPr>
+          <p:cNvSpPr/>
+          <p:nvPr/>
+        </p:nvSpPr>
+        <p:spPr>
+          <a:xfrm>
+            <a:off x="0" y="53009"/>
+            <a:ext cx="6096000" cy="646331"/>
+          </a:xfrm>
+          <a:prstGeom prst="rect">
+            <a:avLst/>
+          </a:prstGeom>
+        </p:spPr>
+        <p:txBody>
+          <a:bodyPr>
+            <a:spAutoFit/>
+          </a:bodyPr>
+          <a:lstStyle/>
+          <a:p>
+            <a:r>
+              <a:rPr lang="en-IN" dirty="0">
+                <a:latin typeface="Arial Black" panose="020B0A04020102020204" pitchFamily="34" charset="0"/>
+              </a:rPr>
+              <a:t>DESIGN 2  (Size of one unit  - 1.50m X 2.60m) (Internal height - 2.20m)</a:t>
+            </a:r>
+          </a:p>
+        </p:txBody>
+      </p:sp>
+      <p:pic>
+        <p:nvPicPr>
+          <p:cNvPr id="3" name="Picture 2">
+            <a:extLst>
+              <a:ext uri="{FF2B5EF4-FFF2-40B4-BE49-F238E27FC236}">
+                <a16:creationId xmlns:a16="http://schemas.microsoft.com/office/drawing/2014/main" id="{C4640689-F87B-4B4A-863B-D368E691BBBD}"/>
+              </a:ext>
+            </a:extLst>
+          </p:cNvPr>
+          <p:cNvPicPr>
+            <a:picLocks noChangeAspect="1"/>
+          </p:cNvPicPr>
+          <p:nvPr/>
+        </p:nvPicPr>
+        <p:blipFill>
+          <a:blip r:embed="rId2">
+            <a:extLst>
+              <a:ext uri="{28A0092B-C50C-407E-A947-70E740481C1C}">
+                <a14:useLocalDpi xmlns:a14="http://schemas.microsoft.com/office/drawing/2010/main" val="0"/>
+              </a:ext>
+            </a:extLst>
+          </a:blip>
+          <a:stretch>
+            <a:fillRect/>
+          </a:stretch>
+        </p:blipFill>
+        <p:spPr>
+          <a:xfrm>
+            <a:off x="1692402" y="1064586"/>
+            <a:ext cx="5096586" cy="5020376"/>
+          </a:xfrm>
+          <a:prstGeom prst="rect">
+            <a:avLst/>
+          </a:prstGeom>
+        </p:spPr>
+      </p:pic>
+      <p:sp>
+        <p:nvSpPr>
+          <p:cNvPr id="4" name="Rectangle 3">
+            <a:extLst>
+              <a:ext uri="{FF2B5EF4-FFF2-40B4-BE49-F238E27FC236}">
+                <a16:creationId xmlns:a16="http://schemas.microsoft.com/office/drawing/2014/main" id="{923D1DD5-E1A0-427C-8911-BE13EAF027F8}"/>
+              </a:ext>
+            </a:extLst>
+          </p:cNvPr>
+          <p:cNvSpPr/>
+          <p:nvPr/>
+        </p:nvSpPr>
+        <p:spPr>
+          <a:xfrm>
+            <a:off x="7050157" y="1543449"/>
+            <a:ext cx="4439478" cy="2585323"/>
+          </a:xfrm>
+          <a:prstGeom prst="rect">
+            <a:avLst/>
+          </a:prstGeom>
+        </p:spPr>
+        <p:txBody>
+          <a:bodyPr wrap="square">
+            <a:spAutoFit/>
+          </a:bodyPr>
+          <a:lstStyle/>
+          <a:p>
+            <a:r>
+              <a:rPr lang="en-IN" dirty="0"/>
+              <a:t>A hexagonal twin unit design having male and female compartments alongside.</a:t>
+            </a:r>
+          </a:p>
+          <a:p>
+            <a:r>
+              <a:rPr lang="en-IN" dirty="0"/>
+              <a:t>Specification : </a:t>
+            </a:r>
+          </a:p>
+          <a:p>
+            <a:r>
+              <a:rPr lang="en-IN" dirty="0"/>
+              <a:t>•Exteriors: Polypropylene honey comb, Polyurethane (PU) painted. </a:t>
+            </a:r>
+          </a:p>
+          <a:p>
+            <a:r>
+              <a:rPr lang="en-IN" dirty="0"/>
+              <a:t>•Interiors: Stainless steel 304 grade, 1mm thick</a:t>
+            </a:r>
+          </a:p>
+          <a:p>
+            <a:r>
+              <a:rPr lang="en-IN" dirty="0"/>
+              <a:t>•Frame: Polypropylene honey comb folding wall</a:t>
+            </a:r>
+          </a:p>
+        </p:txBody>
+      </p:sp>
+    </p:spTree>
+    <p:extLst>
+      <p:ext uri="{BB962C8B-B14F-4D97-AF65-F5344CB8AC3E}">
+        <p14:creationId xmlns:p14="http://schemas.microsoft.com/office/powerpoint/2010/main" val="2327981842"/>
+      </p:ext>
+    </p:extLst>
+  </p:cSld>
+  <p:clrMapOvr>
+    <a:masterClrMapping/>
+  </p:clrMapOvr>
+</p:sld>
+</file>
+
+<file path=ppt/slides/slide18.xml><?xml version="1.0" encoding="utf-8"?>
+<p:sld xmlns:a="http://schemas.openxmlformats.org/drawingml/2006/main" xmlns:r="http://schemas.openxmlformats.org/officeDocument/2006/relationships" xmlns:p="http://schemas.openxmlformats.org/presentationml/2006/main">
+  <p:cSld>
+    <p:spTree>
+      <p:nvGrpSpPr>
+        <p:cNvPr id="1" name=""/>
+        <p:cNvGrpSpPr/>
+        <p:nvPr/>
+      </p:nvGrpSpPr>
+      <p:grpSpPr>
+        <a:xfrm>
+          <a:off x="0" y="0"/>
+          <a:ext cx="0" cy="0"/>
+          <a:chOff x="0" y="0"/>
+          <a:chExt cx="0" cy="0"/>
+        </a:xfrm>
+      </p:grpSpPr>
+      <p:sp>
+        <p:nvSpPr>
+          <p:cNvPr id="2" name="Rectangle 1">
+            <a:extLst>
+              <a:ext uri="{FF2B5EF4-FFF2-40B4-BE49-F238E27FC236}">
+                <a16:creationId xmlns:a16="http://schemas.microsoft.com/office/drawing/2014/main" id="{D8AC3F8B-560E-4E13-8EBF-F6C913E2183F}"/>
+              </a:ext>
+            </a:extLst>
+          </p:cNvPr>
+          <p:cNvSpPr/>
+          <p:nvPr/>
+        </p:nvSpPr>
+        <p:spPr>
+          <a:xfrm>
+            <a:off x="3555588" y="0"/>
+            <a:ext cx="5111334" cy="646331"/>
+          </a:xfrm>
+          <a:prstGeom prst="rect">
+            <a:avLst/>
+          </a:prstGeom>
+        </p:spPr>
+        <p:txBody>
+          <a:bodyPr wrap="square">
+            <a:spAutoFit/>
+          </a:bodyPr>
+          <a:lstStyle/>
+          <a:p>
+            <a:r>
+              <a:rPr lang="en-IN" b="1" i="1" dirty="0">
+                <a:latin typeface="Arial Black" panose="020B0A04020102020204" pitchFamily="34" charset="0"/>
+              </a:rPr>
+              <a:t>DEVELOPEMENT 2 FOR SMART PUBLIC TOILET</a:t>
+            </a:r>
+          </a:p>
+        </p:txBody>
+      </p:sp>
+      <p:sp>
+        <p:nvSpPr>
+          <p:cNvPr id="3" name="Rectangle 2">
+            <a:extLst>
+              <a:ext uri="{FF2B5EF4-FFF2-40B4-BE49-F238E27FC236}">
+                <a16:creationId xmlns:a16="http://schemas.microsoft.com/office/drawing/2014/main" id="{3EAC4A6B-601A-4DE6-8419-499EBA6C9541}"/>
+              </a:ext>
+            </a:extLst>
+          </p:cNvPr>
+          <p:cNvSpPr/>
+          <p:nvPr/>
+        </p:nvSpPr>
+        <p:spPr>
+          <a:xfrm>
+            <a:off x="189534" y="1111240"/>
+            <a:ext cx="11207335" cy="2031325"/>
+          </a:xfrm>
+          <a:prstGeom prst="rect">
+            <a:avLst/>
+          </a:prstGeom>
+        </p:spPr>
+        <p:txBody>
+          <a:bodyPr wrap="square">
+            <a:spAutoFit/>
+          </a:bodyPr>
+          <a:lstStyle/>
+          <a:p>
+            <a:pPr marL="342900" indent="-342900">
+              <a:buAutoNum type="alphaUcPeriod"/>
+            </a:pPr>
+            <a:r>
+              <a:rPr lang="en-US" dirty="0"/>
+              <a:t>WORKING MODEL:</a:t>
+            </a:r>
+          </a:p>
+          <a:p>
+            <a:r>
+              <a:rPr lang="en-US" dirty="0"/>
+              <a:t>                 The gas sensor is placed below the rim of the Toilet basin, to detect undesirable gases present in the confined toilet space. If the sensor detects the foul smell, it activates the motor and closes the lid. Once the lid is closed, touch sensor get pressed, which initiates the motor for automatic flushing. The gravity </a:t>
+            </a:r>
+            <a:r>
+              <a:rPr lang="en-US" dirty="0" err="1"/>
+              <a:t>aurdino</a:t>
+            </a:r>
+            <a:r>
+              <a:rPr lang="en-US" dirty="0"/>
+              <a:t> turbidity sensor detects quality of water by determining the intensities of turbidity. This sensor is deployed in the flush water tank to determine the quality of water and to check bacterial presence. If the turbidity level rises, it generates a signal and alerts the toilet maintenance team and displays Service Required message in the LCD Monitor connected to the door</a:t>
+            </a:r>
+            <a:endParaRPr lang="en-IN" dirty="0"/>
+          </a:p>
+        </p:txBody>
+      </p:sp>
+      <p:sp>
+        <p:nvSpPr>
+          <p:cNvPr id="4" name="Rectangle 3">
+            <a:extLst>
+              <a:ext uri="{FF2B5EF4-FFF2-40B4-BE49-F238E27FC236}">
+                <a16:creationId xmlns:a16="http://schemas.microsoft.com/office/drawing/2014/main" id="{AA22CBC5-3168-4B03-A22E-D91710710E84}"/>
+              </a:ext>
+            </a:extLst>
+          </p:cNvPr>
+          <p:cNvSpPr/>
+          <p:nvPr/>
+        </p:nvSpPr>
+        <p:spPr>
+          <a:xfrm>
+            <a:off x="746126" y="3715436"/>
+            <a:ext cx="11207335" cy="1477328"/>
+          </a:xfrm>
+          <a:prstGeom prst="rect">
+            <a:avLst/>
+          </a:prstGeom>
+        </p:spPr>
+        <p:txBody>
+          <a:bodyPr wrap="square">
+            <a:spAutoFit/>
+          </a:bodyPr>
+          <a:lstStyle/>
+          <a:p>
+            <a:r>
+              <a:rPr lang="en-US" dirty="0"/>
+              <a:t>As the user enters the washroom, he/she reads the LCD display connected to the door, if it displays Ready to Use message , user enters the toilet and put the hand over IR sensor to activate the motor, once the motor gets activated, it closes the toilet lid and automatic flushing is done. Once the toilet basin is clean, IR sensor is used to open the lid and the toilet seat cover. If foul smell is detected continuously it alerts the toilet maintenance team. The maintenance monitoring team worker will be provided with Radio Frequency Identification (RFID) tag, with identification code.</a:t>
+            </a:r>
+            <a:endParaRPr lang="en-IN" dirty="0"/>
+          </a:p>
+        </p:txBody>
+      </p:sp>
+    </p:spTree>
+    <p:extLst>
+      <p:ext uri="{BB962C8B-B14F-4D97-AF65-F5344CB8AC3E}">
+        <p14:creationId xmlns:p14="http://schemas.microsoft.com/office/powerpoint/2010/main" val="3143457326"/>
+      </p:ext>
+    </p:extLst>
+  </p:cSld>
+  <p:clrMapOvr>
+    <a:masterClrMapping/>
+  </p:clrMapOvr>
+</p:sld>
+</file>
+
+<file path=ppt/slides/slide19.xml><?xml version="1.0" encoding="utf-8"?>
+<p:sld xmlns:a="http://schemas.openxmlformats.org/drawingml/2006/main" xmlns:r="http://schemas.openxmlformats.org/officeDocument/2006/relationships" xmlns:p="http://schemas.openxmlformats.org/presentationml/2006/main">
+  <p:cSld>
+    <p:spTree>
+      <p:nvGrpSpPr>
+        <p:cNvPr id="1" name=""/>
+        <p:cNvGrpSpPr/>
+        <p:nvPr/>
+      </p:nvGrpSpPr>
+      <p:grpSpPr>
+        <a:xfrm>
+          <a:off x="0" y="0"/>
+          <a:ext cx="0" cy="0"/>
+          <a:chOff x="0" y="0"/>
+          <a:chExt cx="0" cy="0"/>
+        </a:xfrm>
+      </p:grpSpPr>
+      <p:pic>
+        <p:nvPicPr>
+          <p:cNvPr id="2" name="Picture 1">
+            <a:extLst>
+              <a:ext uri="{FF2B5EF4-FFF2-40B4-BE49-F238E27FC236}">
+                <a16:creationId xmlns:a16="http://schemas.microsoft.com/office/drawing/2014/main" id="{A31FFF65-489F-480E-B406-EE3E28C243F1}"/>
+              </a:ext>
+            </a:extLst>
+          </p:cNvPr>
+          <p:cNvPicPr>
+            <a:picLocks noChangeAspect="1"/>
+          </p:cNvPicPr>
+          <p:nvPr/>
+        </p:nvPicPr>
+        <p:blipFill>
+          <a:blip r:embed="rId2">
+            <a:extLst>
+              <a:ext uri="{28A0092B-C50C-407E-A947-70E740481C1C}">
+                <a14:useLocalDpi xmlns:a14="http://schemas.microsoft.com/office/drawing/2010/main" val="0"/>
+              </a:ext>
+            </a:extLst>
+          </a:blip>
+          <a:stretch>
+            <a:fillRect/>
+          </a:stretch>
+        </p:blipFill>
+        <p:spPr>
+          <a:xfrm>
+            <a:off x="3391307" y="291547"/>
+            <a:ext cx="4347964" cy="5010095"/>
+          </a:xfrm>
+          <a:prstGeom prst="rect">
+            <a:avLst/>
+          </a:prstGeom>
+        </p:spPr>
+      </p:pic>
+      <p:sp>
+        <p:nvSpPr>
+          <p:cNvPr id="3" name="Rectangle 2">
+            <a:extLst>
+              <a:ext uri="{FF2B5EF4-FFF2-40B4-BE49-F238E27FC236}">
+                <a16:creationId xmlns:a16="http://schemas.microsoft.com/office/drawing/2014/main" id="{2861613B-E3DB-4614-93CE-3058C55C69BB}"/>
+              </a:ext>
+            </a:extLst>
+          </p:cNvPr>
+          <p:cNvSpPr/>
+          <p:nvPr/>
+        </p:nvSpPr>
+        <p:spPr>
+          <a:xfrm>
+            <a:off x="371060" y="381865"/>
+            <a:ext cx="2213113" cy="369332"/>
+          </a:xfrm>
+          <a:prstGeom prst="rect">
+            <a:avLst/>
+          </a:prstGeom>
+        </p:spPr>
+        <p:txBody>
+          <a:bodyPr wrap="square">
+            <a:spAutoFit/>
+          </a:bodyPr>
+          <a:lstStyle/>
+          <a:p>
+            <a:r>
+              <a:rPr lang="en-IN" dirty="0"/>
+              <a:t>1.FLOW CHART</a:t>
+            </a:r>
+          </a:p>
+        </p:txBody>
+      </p:sp>
+      <p:pic>
+        <p:nvPicPr>
+          <p:cNvPr id="4" name="Picture 3">
+            <a:extLst>
+              <a:ext uri="{FF2B5EF4-FFF2-40B4-BE49-F238E27FC236}">
+                <a16:creationId xmlns:a16="http://schemas.microsoft.com/office/drawing/2014/main" id="{BD7A5F0E-989D-4436-9F03-C9D1CCDE02EC}"/>
+              </a:ext>
+            </a:extLst>
+          </p:cNvPr>
+          <p:cNvPicPr>
+            <a:picLocks noChangeAspect="1"/>
+          </p:cNvPicPr>
+          <p:nvPr/>
+        </p:nvPicPr>
+        <p:blipFill>
+          <a:blip r:embed="rId2">
+            <a:extLst>
+              <a:ext uri="{28A0092B-C50C-407E-A947-70E740481C1C}">
+                <a14:useLocalDpi xmlns:a14="http://schemas.microsoft.com/office/drawing/2010/main" val="0"/>
+              </a:ext>
+            </a:extLst>
+          </a:blip>
+          <a:stretch>
+            <a:fillRect/>
+          </a:stretch>
+        </p:blipFill>
+        <p:spPr>
+          <a:xfrm>
+            <a:off x="3391307" y="251790"/>
+            <a:ext cx="4347964" cy="5010095"/>
+          </a:xfrm>
+          <a:prstGeom prst="rect">
+            <a:avLst/>
+          </a:prstGeom>
+        </p:spPr>
+      </p:pic>
+    </p:spTree>
+    <p:extLst>
+      <p:ext uri="{BB962C8B-B14F-4D97-AF65-F5344CB8AC3E}">
+        <p14:creationId xmlns:p14="http://schemas.microsoft.com/office/powerpoint/2010/main" val="2059832916"/>
+      </p:ext>
+    </p:extLst>
+  </p:cSld>
+  <p:clrMapOvr>
+    <a:masterClrMapping/>
+  </p:clrMapOvr>
+</p:sld>
+</file>
+
 <file path=ppt/slides/slide2.xml><?xml version="1.0" encoding="utf-8"?>
 <p:sld xmlns:a="http://schemas.openxmlformats.org/drawingml/2006/main" xmlns:r="http://schemas.openxmlformats.org/officeDocument/2006/relationships" xmlns:p="http://schemas.openxmlformats.org/presentationml/2006/main">
   <p:cSld>
@@ -9588,6 +10484,660 @@
     <p:extLst>
       <p:ext uri="{BB962C8B-B14F-4D97-AF65-F5344CB8AC3E}">
         <p14:creationId xmlns:p14="http://schemas.microsoft.com/office/powerpoint/2010/main" val="704830091"/>
+      </p:ext>
+    </p:extLst>
+  </p:cSld>
+  <p:clrMapOvr>
+    <a:masterClrMapping/>
+  </p:clrMapOvr>
+</p:sld>
+</file>
+
+<file path=ppt/slides/slide20.xml><?xml version="1.0" encoding="utf-8"?>
+<p:sld xmlns:a="http://schemas.openxmlformats.org/drawingml/2006/main" xmlns:r="http://schemas.openxmlformats.org/officeDocument/2006/relationships" xmlns:p="http://schemas.openxmlformats.org/presentationml/2006/main">
+  <p:cSld>
+    <p:spTree>
+      <p:nvGrpSpPr>
+        <p:cNvPr id="1" name=""/>
+        <p:cNvGrpSpPr/>
+        <p:nvPr/>
+      </p:nvGrpSpPr>
+      <p:grpSpPr>
+        <a:xfrm>
+          <a:off x="0" y="0"/>
+          <a:ext cx="0" cy="0"/>
+          <a:chOff x="0" y="0"/>
+          <a:chExt cx="0" cy="0"/>
+        </a:xfrm>
+      </p:grpSpPr>
+      <p:pic>
+        <p:nvPicPr>
+          <p:cNvPr id="2" name="Picture 1">
+            <a:extLst>
+              <a:ext uri="{FF2B5EF4-FFF2-40B4-BE49-F238E27FC236}">
+                <a16:creationId xmlns:a16="http://schemas.microsoft.com/office/drawing/2014/main" id="{7E8F45D8-D70A-43E1-9C7E-06E58A4E6AEB}"/>
+              </a:ext>
+            </a:extLst>
+          </p:cNvPr>
+          <p:cNvPicPr>
+            <a:picLocks noChangeAspect="1"/>
+          </p:cNvPicPr>
+          <p:nvPr/>
+        </p:nvPicPr>
+        <p:blipFill>
+          <a:blip r:embed="rId2">
+            <a:extLst>
+              <a:ext uri="{28A0092B-C50C-407E-A947-70E740481C1C}">
+                <a14:useLocalDpi xmlns:a14="http://schemas.microsoft.com/office/drawing/2010/main" val="0"/>
+              </a:ext>
+            </a:extLst>
+          </a:blip>
+          <a:stretch>
+            <a:fillRect/>
+          </a:stretch>
+        </p:blipFill>
+        <p:spPr>
+          <a:xfrm>
+            <a:off x="1285459" y="763898"/>
+            <a:ext cx="9117498" cy="5409716"/>
+          </a:xfrm>
+          <a:prstGeom prst="rect">
+            <a:avLst/>
+          </a:prstGeom>
+        </p:spPr>
+      </p:pic>
+      <p:sp>
+        <p:nvSpPr>
+          <p:cNvPr id="3" name="Rectangle 2">
+            <a:extLst>
+              <a:ext uri="{FF2B5EF4-FFF2-40B4-BE49-F238E27FC236}">
+                <a16:creationId xmlns:a16="http://schemas.microsoft.com/office/drawing/2014/main" id="{176B53AF-7FB3-467F-9F55-900155346811}"/>
+              </a:ext>
+            </a:extLst>
+          </p:cNvPr>
+          <p:cNvSpPr/>
+          <p:nvPr/>
+        </p:nvSpPr>
+        <p:spPr>
+          <a:xfrm>
+            <a:off x="253961" y="526224"/>
+            <a:ext cx="2515743" cy="369332"/>
+          </a:xfrm>
+          <a:prstGeom prst="rect">
+            <a:avLst/>
+          </a:prstGeom>
+        </p:spPr>
+        <p:txBody>
+          <a:bodyPr wrap="square">
+            <a:spAutoFit/>
+          </a:bodyPr>
+          <a:lstStyle/>
+          <a:p>
+            <a:r>
+              <a:rPr lang="en-IN" dirty="0"/>
+              <a:t>2.FLOW CHART</a:t>
+            </a:r>
+          </a:p>
+        </p:txBody>
+      </p:sp>
+    </p:spTree>
+    <p:extLst>
+      <p:ext uri="{BB962C8B-B14F-4D97-AF65-F5344CB8AC3E}">
+        <p14:creationId xmlns:p14="http://schemas.microsoft.com/office/powerpoint/2010/main" val="3739585880"/>
+      </p:ext>
+    </p:extLst>
+  </p:cSld>
+  <p:clrMapOvr>
+    <a:masterClrMapping/>
+  </p:clrMapOvr>
+</p:sld>
+</file>
+
+<file path=ppt/slides/slide21.xml><?xml version="1.0" encoding="utf-8"?>
+<p:sld xmlns:a="http://schemas.openxmlformats.org/drawingml/2006/main" xmlns:r="http://schemas.openxmlformats.org/officeDocument/2006/relationships" xmlns:p="http://schemas.openxmlformats.org/presentationml/2006/main">
+  <p:cSld>
+    <p:spTree>
+      <p:nvGrpSpPr>
+        <p:cNvPr id="1" name=""/>
+        <p:cNvGrpSpPr/>
+        <p:nvPr/>
+      </p:nvGrpSpPr>
+      <p:grpSpPr>
+        <a:xfrm>
+          <a:off x="0" y="0"/>
+          <a:ext cx="0" cy="0"/>
+          <a:chOff x="0" y="0"/>
+          <a:chExt cx="0" cy="0"/>
+        </a:xfrm>
+      </p:grpSpPr>
+      <p:sp>
+        <p:nvSpPr>
+          <p:cNvPr id="2" name="Rectangle 1">
+            <a:extLst>
+              <a:ext uri="{FF2B5EF4-FFF2-40B4-BE49-F238E27FC236}">
+                <a16:creationId xmlns:a16="http://schemas.microsoft.com/office/drawing/2014/main" id="{3A224800-16A3-4E00-959F-753310058740}"/>
+              </a:ext>
+            </a:extLst>
+          </p:cNvPr>
+          <p:cNvSpPr/>
+          <p:nvPr/>
+        </p:nvSpPr>
+        <p:spPr>
+          <a:xfrm>
+            <a:off x="848138" y="388348"/>
+            <a:ext cx="10972801" cy="2031325"/>
+          </a:xfrm>
+          <a:prstGeom prst="rect">
+            <a:avLst/>
+          </a:prstGeom>
+        </p:spPr>
+        <p:txBody>
+          <a:bodyPr wrap="square">
+            <a:spAutoFit/>
+          </a:bodyPr>
+          <a:lstStyle/>
+          <a:p>
+            <a:r>
+              <a:rPr lang="en-US" dirty="0"/>
+              <a:t>Anaerobic sewage tank is deeply buried and covered, the sewage liquid level could not be easily monitored. Traditional techniques like floating ball liquid sewage level determination requires to soak the floating ball in sewage liquid, the major setback is the floating ball gets strained over time and leads to malfunctioning. In our proposed system Ultrasonic sensor is fixed below the lower part of the tank cover plate. MAX485 is a low slew rate and low power transceiver, </a:t>
+            </a:r>
+            <a:r>
+              <a:rPr lang="en-US" dirty="0">
+                <a:latin typeface="Bahnschrift SemiBold" panose="020B0502040204020203" pitchFamily="34" charset="0"/>
+              </a:rPr>
+              <a:t>ported</a:t>
+            </a:r>
+            <a:r>
+              <a:rPr lang="en-US" dirty="0"/>
+              <a:t> with Ultrasonic sensor for signal reception and transmission to microcontroller. The microcontroller output is connected to liquid crystal display, which displays real time liquid sewage level, if the level exceed the threshold alert signal is sent through buzzer.</a:t>
+            </a:r>
+            <a:endParaRPr lang="en-IN" dirty="0"/>
+          </a:p>
+        </p:txBody>
+      </p:sp>
+    </p:spTree>
+    <p:extLst>
+      <p:ext uri="{BB962C8B-B14F-4D97-AF65-F5344CB8AC3E}">
+        <p14:creationId xmlns:p14="http://schemas.microsoft.com/office/powerpoint/2010/main" val="1460570574"/>
+      </p:ext>
+    </p:extLst>
+  </p:cSld>
+  <p:clrMapOvr>
+    <a:masterClrMapping/>
+  </p:clrMapOvr>
+</p:sld>
+</file>
+
+<file path=ppt/slides/slide22.xml><?xml version="1.0" encoding="utf-8"?>
+<p:sld xmlns:a="http://schemas.openxmlformats.org/drawingml/2006/main" xmlns:r="http://schemas.openxmlformats.org/officeDocument/2006/relationships" xmlns:p="http://schemas.openxmlformats.org/presentationml/2006/main">
+  <p:cSld>
+    <p:spTree>
+      <p:nvGrpSpPr>
+        <p:cNvPr id="1" name=""/>
+        <p:cNvGrpSpPr/>
+        <p:nvPr/>
+      </p:nvGrpSpPr>
+      <p:grpSpPr>
+        <a:xfrm>
+          <a:off x="0" y="0"/>
+          <a:ext cx="0" cy="0"/>
+          <a:chOff x="0" y="0"/>
+          <a:chExt cx="0" cy="0"/>
+        </a:xfrm>
+      </p:grpSpPr>
+      <p:sp>
+        <p:nvSpPr>
+          <p:cNvPr id="2" name="Rectangle 1">
+            <a:extLst>
+              <a:ext uri="{FF2B5EF4-FFF2-40B4-BE49-F238E27FC236}">
+                <a16:creationId xmlns:a16="http://schemas.microsoft.com/office/drawing/2014/main" id="{555DBB53-A90B-4BD4-8B24-BC06D17CA33D}"/>
+              </a:ext>
+            </a:extLst>
+          </p:cNvPr>
+          <p:cNvSpPr/>
+          <p:nvPr/>
+        </p:nvSpPr>
+        <p:spPr>
+          <a:xfrm>
+            <a:off x="0" y="0"/>
+            <a:ext cx="3686715" cy="369332"/>
+          </a:xfrm>
+          <a:prstGeom prst="rect">
+            <a:avLst/>
+          </a:prstGeom>
+        </p:spPr>
+        <p:txBody>
+          <a:bodyPr wrap="none">
+            <a:spAutoFit/>
+          </a:bodyPr>
+          <a:lstStyle/>
+          <a:p>
+            <a:r>
+              <a:rPr lang="en-IN" b="1" i="1" dirty="0">
+                <a:latin typeface="Arial Black" panose="020B0A04020102020204" pitchFamily="34" charset="0"/>
+              </a:rPr>
+              <a:t>RESULTS AND DISCUSSION</a:t>
+            </a:r>
+          </a:p>
+        </p:txBody>
+      </p:sp>
+      <p:pic>
+        <p:nvPicPr>
+          <p:cNvPr id="3" name="Picture 2">
+            <a:extLst>
+              <a:ext uri="{FF2B5EF4-FFF2-40B4-BE49-F238E27FC236}">
+                <a16:creationId xmlns:a16="http://schemas.microsoft.com/office/drawing/2014/main" id="{6CB3DD94-2A41-4F02-9C5C-92ABFFDD00E2}"/>
+              </a:ext>
+            </a:extLst>
+          </p:cNvPr>
+          <p:cNvPicPr>
+            <a:picLocks noChangeAspect="1"/>
+          </p:cNvPicPr>
+          <p:nvPr/>
+        </p:nvPicPr>
+        <p:blipFill>
+          <a:blip r:embed="rId2">
+            <a:extLst>
+              <a:ext uri="{28A0092B-C50C-407E-A947-70E740481C1C}">
+                <a14:useLocalDpi xmlns:a14="http://schemas.microsoft.com/office/drawing/2010/main" val="0"/>
+              </a:ext>
+            </a:extLst>
+          </a:blip>
+          <a:stretch>
+            <a:fillRect/>
+          </a:stretch>
+        </p:blipFill>
+        <p:spPr>
+          <a:xfrm>
+            <a:off x="3028522" y="553108"/>
+            <a:ext cx="3067478" cy="2438740"/>
+          </a:xfrm>
+          <a:prstGeom prst="rect">
+            <a:avLst/>
+          </a:prstGeom>
+        </p:spPr>
+      </p:pic>
+      <p:sp>
+        <p:nvSpPr>
+          <p:cNvPr id="4" name="Rectangle 3">
+            <a:extLst>
+              <a:ext uri="{FF2B5EF4-FFF2-40B4-BE49-F238E27FC236}">
+                <a16:creationId xmlns:a16="http://schemas.microsoft.com/office/drawing/2014/main" id="{E175ED38-C261-4A0D-80EA-EB15AB97A3E9}"/>
+              </a:ext>
+            </a:extLst>
+          </p:cNvPr>
+          <p:cNvSpPr/>
+          <p:nvPr/>
+        </p:nvSpPr>
+        <p:spPr>
+          <a:xfrm>
+            <a:off x="3028522" y="3244334"/>
+            <a:ext cx="4600490" cy="369332"/>
+          </a:xfrm>
+          <a:prstGeom prst="rect">
+            <a:avLst/>
+          </a:prstGeom>
+        </p:spPr>
+        <p:txBody>
+          <a:bodyPr wrap="none">
+            <a:spAutoFit/>
+          </a:bodyPr>
+          <a:lstStyle/>
+          <a:p>
+            <a:r>
+              <a:rPr lang="en-US" dirty="0"/>
+              <a:t>1.LCD Monitor Displaying Status of Smart Toilet</a:t>
+            </a:r>
+            <a:endParaRPr lang="en-IN" dirty="0"/>
+          </a:p>
+        </p:txBody>
+      </p:sp>
+      <p:pic>
+        <p:nvPicPr>
+          <p:cNvPr id="5" name="Picture 4">
+            <a:extLst>
+              <a:ext uri="{FF2B5EF4-FFF2-40B4-BE49-F238E27FC236}">
+                <a16:creationId xmlns:a16="http://schemas.microsoft.com/office/drawing/2014/main" id="{5F342E79-C7B4-4B48-89D6-2A55CD2DC2D7}"/>
+              </a:ext>
+            </a:extLst>
+          </p:cNvPr>
+          <p:cNvPicPr>
+            <a:picLocks noChangeAspect="1"/>
+          </p:cNvPicPr>
+          <p:nvPr/>
+        </p:nvPicPr>
+        <p:blipFill>
+          <a:blip r:embed="rId3">
+            <a:extLst>
+              <a:ext uri="{28A0092B-C50C-407E-A947-70E740481C1C}">
+                <a14:useLocalDpi xmlns:a14="http://schemas.microsoft.com/office/drawing/2010/main" val="0"/>
+              </a:ext>
+            </a:extLst>
+          </a:blip>
+          <a:stretch>
+            <a:fillRect/>
+          </a:stretch>
+        </p:blipFill>
+        <p:spPr>
+          <a:xfrm>
+            <a:off x="3366343" y="3713730"/>
+            <a:ext cx="1962424" cy="2591162"/>
+          </a:xfrm>
+          <a:prstGeom prst="rect">
+            <a:avLst/>
+          </a:prstGeom>
+        </p:spPr>
+      </p:pic>
+      <p:sp>
+        <p:nvSpPr>
+          <p:cNvPr id="6" name="Rectangle 5">
+            <a:extLst>
+              <a:ext uri="{FF2B5EF4-FFF2-40B4-BE49-F238E27FC236}">
+                <a16:creationId xmlns:a16="http://schemas.microsoft.com/office/drawing/2014/main" id="{1697ED8B-1214-45C3-92CD-7FCC87BEB658}"/>
+              </a:ext>
+            </a:extLst>
+          </p:cNvPr>
+          <p:cNvSpPr/>
+          <p:nvPr/>
+        </p:nvSpPr>
+        <p:spPr>
+          <a:xfrm>
+            <a:off x="3115885" y="6485355"/>
+            <a:ext cx="4600490" cy="369332"/>
+          </a:xfrm>
+          <a:prstGeom prst="rect">
+            <a:avLst/>
+          </a:prstGeom>
+        </p:spPr>
+        <p:txBody>
+          <a:bodyPr wrap="none">
+            <a:spAutoFit/>
+          </a:bodyPr>
+          <a:lstStyle/>
+          <a:p>
+            <a:r>
+              <a:rPr lang="en-US" dirty="0"/>
+              <a:t>2.LCD Monitor Displaying Status of Smart Toilet</a:t>
+            </a:r>
+            <a:endParaRPr lang="en-IN" dirty="0"/>
+          </a:p>
+        </p:txBody>
+      </p:sp>
+    </p:spTree>
+    <p:extLst>
+      <p:ext uri="{BB962C8B-B14F-4D97-AF65-F5344CB8AC3E}">
+        <p14:creationId xmlns:p14="http://schemas.microsoft.com/office/powerpoint/2010/main" val="3167458775"/>
+      </p:ext>
+    </p:extLst>
+  </p:cSld>
+  <p:clrMapOvr>
+    <a:masterClrMapping/>
+  </p:clrMapOvr>
+</p:sld>
+</file>
+
+<file path=ppt/slides/slide23.xml><?xml version="1.0" encoding="utf-8"?>
+<p:sld xmlns:a="http://schemas.openxmlformats.org/drawingml/2006/main" xmlns:r="http://schemas.openxmlformats.org/officeDocument/2006/relationships" xmlns:p="http://schemas.openxmlformats.org/presentationml/2006/main">
+  <p:cSld>
+    <p:spTree>
+      <p:nvGrpSpPr>
+        <p:cNvPr id="1" name=""/>
+        <p:cNvGrpSpPr/>
+        <p:nvPr/>
+      </p:nvGrpSpPr>
+      <p:grpSpPr>
+        <a:xfrm>
+          <a:off x="0" y="0"/>
+          <a:ext cx="0" cy="0"/>
+          <a:chOff x="0" y="0"/>
+          <a:chExt cx="0" cy="0"/>
+        </a:xfrm>
+      </p:grpSpPr>
+      <p:pic>
+        <p:nvPicPr>
+          <p:cNvPr id="2" name="Picture 1">
+            <a:extLst>
+              <a:ext uri="{FF2B5EF4-FFF2-40B4-BE49-F238E27FC236}">
+                <a16:creationId xmlns:a16="http://schemas.microsoft.com/office/drawing/2014/main" id="{E3249321-69F1-4A7C-9429-DBC870FF0039}"/>
+              </a:ext>
+            </a:extLst>
+          </p:cNvPr>
+          <p:cNvPicPr>
+            <a:picLocks noChangeAspect="1"/>
+          </p:cNvPicPr>
+          <p:nvPr/>
+        </p:nvPicPr>
+        <p:blipFill>
+          <a:blip r:embed="rId2">
+            <a:extLst>
+              <a:ext uri="{28A0092B-C50C-407E-A947-70E740481C1C}">
+                <a14:useLocalDpi xmlns:a14="http://schemas.microsoft.com/office/drawing/2010/main" val="0"/>
+              </a:ext>
+            </a:extLst>
+          </a:blip>
+          <a:stretch>
+            <a:fillRect/>
+          </a:stretch>
+        </p:blipFill>
+        <p:spPr>
+          <a:xfrm>
+            <a:off x="3594090" y="305233"/>
+            <a:ext cx="2114845" cy="2695951"/>
+          </a:xfrm>
+          <a:prstGeom prst="rect">
+            <a:avLst/>
+          </a:prstGeom>
+        </p:spPr>
+      </p:pic>
+      <p:sp>
+        <p:nvSpPr>
+          <p:cNvPr id="3" name="Rectangle 2">
+            <a:extLst>
+              <a:ext uri="{FF2B5EF4-FFF2-40B4-BE49-F238E27FC236}">
+                <a16:creationId xmlns:a16="http://schemas.microsoft.com/office/drawing/2014/main" id="{0B95B841-83EB-4622-967B-112F92070592}"/>
+              </a:ext>
+            </a:extLst>
+          </p:cNvPr>
+          <p:cNvSpPr/>
+          <p:nvPr/>
+        </p:nvSpPr>
+        <p:spPr>
+          <a:xfrm>
+            <a:off x="3827815" y="3244334"/>
+            <a:ext cx="4653390" cy="369332"/>
+          </a:xfrm>
+          <a:prstGeom prst="rect">
+            <a:avLst/>
+          </a:prstGeom>
+        </p:spPr>
+        <p:txBody>
+          <a:bodyPr wrap="none">
+            <a:spAutoFit/>
+          </a:bodyPr>
+          <a:lstStyle/>
+          <a:p>
+            <a:r>
+              <a:rPr lang="en-US" dirty="0"/>
+              <a:t>3. LCD Monitor Displaying Status of Smart Toilet</a:t>
+            </a:r>
+            <a:endParaRPr lang="en-IN" dirty="0"/>
+          </a:p>
+        </p:txBody>
+      </p:sp>
+      <p:pic>
+        <p:nvPicPr>
+          <p:cNvPr id="4" name="Picture 3">
+            <a:extLst>
+              <a:ext uri="{FF2B5EF4-FFF2-40B4-BE49-F238E27FC236}">
+                <a16:creationId xmlns:a16="http://schemas.microsoft.com/office/drawing/2014/main" id="{9D41A910-C5BD-480F-8526-928F532A7558}"/>
+              </a:ext>
+            </a:extLst>
+          </p:cNvPr>
+          <p:cNvPicPr>
+            <a:picLocks noChangeAspect="1"/>
+          </p:cNvPicPr>
+          <p:nvPr/>
+        </p:nvPicPr>
+        <p:blipFill>
+          <a:blip r:embed="rId3">
+            <a:extLst>
+              <a:ext uri="{28A0092B-C50C-407E-A947-70E740481C1C}">
+                <a14:useLocalDpi xmlns:a14="http://schemas.microsoft.com/office/drawing/2010/main" val="0"/>
+              </a:ext>
+            </a:extLst>
+          </a:blip>
+          <a:stretch>
+            <a:fillRect/>
+          </a:stretch>
+        </p:blipFill>
+        <p:spPr>
+          <a:xfrm>
+            <a:off x="3647099" y="3664226"/>
+            <a:ext cx="2305372" cy="2372056"/>
+          </a:xfrm>
+          <a:prstGeom prst="rect">
+            <a:avLst/>
+          </a:prstGeom>
+        </p:spPr>
+      </p:pic>
+      <p:sp>
+        <p:nvSpPr>
+          <p:cNvPr id="5" name="Rectangle 4">
+            <a:extLst>
+              <a:ext uri="{FF2B5EF4-FFF2-40B4-BE49-F238E27FC236}">
+                <a16:creationId xmlns:a16="http://schemas.microsoft.com/office/drawing/2014/main" id="{D933971B-7ABE-435F-B50B-6A3478D5702B}"/>
+              </a:ext>
+            </a:extLst>
+          </p:cNvPr>
+          <p:cNvSpPr/>
+          <p:nvPr/>
+        </p:nvSpPr>
+        <p:spPr>
+          <a:xfrm>
+            <a:off x="4002380" y="6036282"/>
+            <a:ext cx="2413225" cy="369332"/>
+          </a:xfrm>
+          <a:prstGeom prst="rect">
+            <a:avLst/>
+          </a:prstGeom>
+        </p:spPr>
+        <p:txBody>
+          <a:bodyPr wrap="none">
+            <a:spAutoFit/>
+          </a:bodyPr>
+          <a:lstStyle/>
+          <a:p>
+            <a:r>
+              <a:rPr lang="en-IN" dirty="0"/>
+              <a:t>4.Automatic Lid Closure</a:t>
+            </a:r>
+          </a:p>
+        </p:txBody>
+      </p:sp>
+    </p:spTree>
+    <p:extLst>
+      <p:ext uri="{BB962C8B-B14F-4D97-AF65-F5344CB8AC3E}">
+        <p14:creationId xmlns:p14="http://schemas.microsoft.com/office/powerpoint/2010/main" val="1845441750"/>
+      </p:ext>
+    </p:extLst>
+  </p:cSld>
+  <p:clrMapOvr>
+    <a:masterClrMapping/>
+  </p:clrMapOvr>
+</p:sld>
+</file>
+
+<file path=ppt/slides/slide24.xml><?xml version="1.0" encoding="utf-8"?>
+<p:sld xmlns:a="http://schemas.openxmlformats.org/drawingml/2006/main" xmlns:r="http://schemas.openxmlformats.org/officeDocument/2006/relationships" xmlns:p="http://schemas.openxmlformats.org/presentationml/2006/main">
+  <p:cSld>
+    <p:spTree>
+      <p:nvGrpSpPr>
+        <p:cNvPr id="1" name=""/>
+        <p:cNvGrpSpPr/>
+        <p:nvPr/>
+      </p:nvGrpSpPr>
+      <p:grpSpPr>
+        <a:xfrm>
+          <a:off x="0" y="0"/>
+          <a:ext cx="0" cy="0"/>
+          <a:chOff x="0" y="0"/>
+          <a:chExt cx="0" cy="0"/>
+        </a:xfrm>
+      </p:grpSpPr>
+      <p:pic>
+        <p:nvPicPr>
+          <p:cNvPr id="2" name="Picture 1">
+            <a:extLst>
+              <a:ext uri="{FF2B5EF4-FFF2-40B4-BE49-F238E27FC236}">
+                <a16:creationId xmlns:a16="http://schemas.microsoft.com/office/drawing/2014/main" id="{B57ECDE4-C548-44C3-946C-2E477A1C6AF2}"/>
+              </a:ext>
+            </a:extLst>
+          </p:cNvPr>
+          <p:cNvPicPr>
+            <a:picLocks noChangeAspect="1"/>
+          </p:cNvPicPr>
+          <p:nvPr/>
+        </p:nvPicPr>
+        <p:blipFill>
+          <a:blip r:embed="rId2">
+            <a:extLst>
+              <a:ext uri="{28A0092B-C50C-407E-A947-70E740481C1C}">
+                <a14:useLocalDpi xmlns:a14="http://schemas.microsoft.com/office/drawing/2010/main" val="0"/>
+              </a:ext>
+            </a:extLst>
+          </a:blip>
+          <a:stretch>
+            <a:fillRect/>
+          </a:stretch>
+        </p:blipFill>
+        <p:spPr>
+          <a:xfrm>
+            <a:off x="4637710" y="723522"/>
+            <a:ext cx="1962424" cy="2705478"/>
+          </a:xfrm>
+          <a:prstGeom prst="rect">
+            <a:avLst/>
+          </a:prstGeom>
+        </p:spPr>
+      </p:pic>
+      <p:sp>
+        <p:nvSpPr>
+          <p:cNvPr id="3" name="Rectangle 2">
+            <a:extLst>
+              <a:ext uri="{FF2B5EF4-FFF2-40B4-BE49-F238E27FC236}">
+                <a16:creationId xmlns:a16="http://schemas.microsoft.com/office/drawing/2014/main" id="{87B6C696-F098-465D-8064-634454C4D8E4}"/>
+              </a:ext>
+            </a:extLst>
+          </p:cNvPr>
+          <p:cNvSpPr/>
+          <p:nvPr/>
+        </p:nvSpPr>
+        <p:spPr>
+          <a:xfrm>
+            <a:off x="4637710" y="3429000"/>
+            <a:ext cx="2506007" cy="369332"/>
+          </a:xfrm>
+          <a:prstGeom prst="rect">
+            <a:avLst/>
+          </a:prstGeom>
+        </p:spPr>
+        <p:txBody>
+          <a:bodyPr wrap="none">
+            <a:spAutoFit/>
+          </a:bodyPr>
+          <a:lstStyle/>
+          <a:p>
+            <a:r>
+              <a:rPr lang="en-IN" dirty="0"/>
+              <a:t>4.Automatic Lid Opening</a:t>
+            </a:r>
+          </a:p>
+        </p:txBody>
+      </p:sp>
+    </p:spTree>
+    <p:extLst>
+      <p:ext uri="{BB962C8B-B14F-4D97-AF65-F5344CB8AC3E}">
+        <p14:creationId xmlns:p14="http://schemas.microsoft.com/office/powerpoint/2010/main" val="2431313207"/>
       </p:ext>
     </p:extLst>
   </p:cSld>
